--- a/data/20230221_blocks.pptx
+++ b/data/20230221_blocks.pptx
@@ -3651,7 +3651,14 @@
             <a:pPr algn="ctr"/>
             <a:r>
               <a:rPr kumimoji="1" lang="en-US" altLang="ja-JP" dirty="0"/>
-              <a:t>DAC</a:t>
+              <a:t>8bit DAC</a:t>
+            </a:r>
+          </a:p>
+          <a:p>
+            <a:pPr algn="ctr"/>
+            <a:r>
+              <a:rPr lang="en-US" altLang="ja-JP" dirty="0"/>
+              <a:t>(16mV step)</a:t>
             </a:r>
             <a:endParaRPr kumimoji="1" lang="ja-JP" altLang="en-US" dirty="0"/>
           </a:p>
